--- a/Smart Contract; Tuition Fee - C. Schröter, P. Steiger, J. Löffler.pptx
+++ b/Smart Contract; Tuition Fee - C. Schröter, P. Steiger, J. Löffler.pptx
@@ -5242,16 +5242,15 @@
           </p:cNvPicPr>
           <p:nvPr/>
         </p:nvPicPr>
-        <p:blipFill>
+        <p:blipFill rotWithShape="1">
           <a:blip r:embed="rId2"/>
-          <a:stretch>
-            <a:fillRect/>
-          </a:stretch>
+          <a:srcRect l="4167"/>
+          <a:stretch/>
         </p:blipFill>
         <p:spPr>
           <a:xfrm>
-            <a:off x="2699792" y="446368"/>
-            <a:ext cx="5184576" cy="5995292"/>
+            <a:off x="2915816" y="446368"/>
+            <a:ext cx="4968552" cy="5995292"/>
           </a:xfrm>
           <a:prstGeom prst="rect">
             <a:avLst/>

--- a/Smart Contract; Tuition Fee - C. Schröter, P. Steiger, J. Löffler.pptx
+++ b/Smart Contract; Tuition Fee - C. Schröter, P. Steiger, J. Löffler.pptx
@@ -7478,8 +7478,12 @@
               <a:t>”Economists are best in finding specialists to get the job done</a:t>
             </a:r>
             <a:r>
+              <a:rPr lang="en-GB" sz="3200" b="0" i="1" dirty="0" smtClean="0"/>
+              <a:t>.” </a:t>
+            </a:r>
+            <a:r>
               <a:rPr lang="en-GB" sz="3200" b="0" i="1" dirty="0"/>
-              <a:t>. (</a:t>
+              <a:t>(</a:t>
             </a:r>
             <a:r>
               <a:rPr lang="en-GB" sz="3200" b="0" i="1" dirty="0" err="1" smtClean="0"/>
@@ -7487,7 +7491,11 @@
             </a:r>
             <a:r>
               <a:rPr lang="en-GB" sz="3200" b="0" i="1" dirty="0" smtClean="0"/>
-              <a:t>, 2018)”</a:t>
+              <a:t>, 2018</a:t>
+            </a:r>
+            <a:r>
+              <a:rPr lang="en-GB" sz="3200" b="0" i="1" dirty="0" smtClean="0"/>
+              <a:t>)</a:t>
             </a:r>
             <a:endParaRPr lang="en-GB" sz="3200" b="0" i="1" dirty="0"/>
           </a:p>
